--- a/seminario_Optuna/TP558_Seminario_Optuna_Alessandra.pptx
+++ b/seminario_Optuna/TP558_Seminario_Optuna_Alessandra.pptx
@@ -6530,14 +6530,27 @@
           <a:p>
             <a:r>
               <a:rPr lang="pt-BR" sz="2000" dirty="0"/>
-              <a:t>O processo realiza 100 testes.</a:t>
-            </a:r>
-          </a:p>
-          <a:p>
-            <a:r>
-              <a:rPr lang="pt-BR" sz="2000" dirty="0"/>
-              <a:t>Tempo total: </a:t>
-            </a:r>
+              <a:t>O processo executa 100 </a:t>
+            </a:r>
+            <a:r>
+              <a:rPr lang="pt-BR" sz="2000" dirty="0" err="1"/>
+              <a:t>trials</a:t>
+            </a:r>
+            <a:r>
+              <a:rPr lang="pt-BR" sz="2000" dirty="0"/>
+              <a:t>.</a:t>
+            </a:r>
+          </a:p>
+          <a:p>
+            <a:r>
+              <a:rPr lang="pt-BR" sz="2000" dirty="0"/>
+              <a:t>Tempo total</a:t>
+            </a:r>
+            <a:r>
+              <a:rPr lang="pt-BR" sz="2000"/>
+              <a:t>: 1h30min</a:t>
+            </a:r>
+            <a:endParaRPr lang="pt-BR" sz="2000" dirty="0"/>
           </a:p>
           <a:p>
             <a:endParaRPr lang="pt-BR" sz="2000" dirty="0"/>
